--- a/课程PPT/19.JS标准内置对象-构造器（Date）.pptx
+++ b/课程PPT/19.JS标准内置对象-构造器（Date）.pptx
@@ -5,18 +5,17 @@
     <p:sldMasterId id="2147483648" r:id="rId1"/>
   </p:sldMasterIdLst>
   <p:notesMasterIdLst>
-    <p:notesMasterId r:id="rId11"/>
+    <p:notesMasterId r:id="rId5"/>
   </p:notesMasterIdLst>
   <p:sldIdLst>
-    <p:sldId id="1243" r:id="rId2"/>
-    <p:sldId id="1261" r:id="rId3"/>
-    <p:sldId id="1258" r:id="rId4"/>
-    <p:sldId id="1259" r:id="rId5"/>
-    <p:sldId id="1260" r:id="rId6"/>
-    <p:sldId id="1262" r:id="rId7"/>
-    <p:sldId id="1263" r:id="rId8"/>
-    <p:sldId id="1245" r:id="rId9"/>
-    <p:sldId id="1239" r:id="rId10"/>
+    <p:sldId id="1243" r:id="rId3"/>
+    <p:sldId id="1261" r:id="rId4"/>
+    <p:sldId id="1258" r:id="rId6"/>
+    <p:sldId id="1259" r:id="rId7"/>
+    <p:sldId id="1260" r:id="rId8"/>
+    <p:sldId id="1262" r:id="rId9"/>
+    <p:sldId id="1263" r:id="rId10"/>
+    <p:sldId id="1245" r:id="rId11"/>
   </p:sldIdLst>
   <p:sldSz cx="12192000" cy="6858000"/>
   <p:notesSz cx="6797675" cy="9928225"/>
@@ -335,6 +334,7 @@
               <a:rPr lang="zh-CN" altLang="zh-CN" noProof="0" smtClean="0"/>
               <a:t>                                                   </a:t>
             </a:r>
+            <a:endParaRPr lang="zh-CN" altLang="zh-CN" noProof="0" smtClean="0"/>
           </a:p>
           <a:p>
             <a:pPr lvl="1"/>
@@ -342,6 +342,7 @@
               <a:rPr lang="zh-CN" altLang="zh-CN" noProof="0" smtClean="0"/>
               <a:t>               </a:t>
             </a:r>
+            <a:endParaRPr lang="zh-CN" altLang="zh-CN" noProof="0" smtClean="0"/>
           </a:p>
           <a:p>
             <a:pPr lvl="2"/>
@@ -349,6 +350,7 @@
               <a:rPr lang="zh-CN" altLang="zh-CN" noProof="0" smtClean="0"/>
               <a:t>                </a:t>
             </a:r>
+            <a:endParaRPr lang="zh-CN" altLang="zh-CN" noProof="0" smtClean="0"/>
           </a:p>
           <a:p>
             <a:pPr lvl="3"/>
@@ -356,6 +358,7 @@
               <a:rPr lang="zh-CN" altLang="zh-CN" noProof="0" smtClean="0"/>
               <a:t>                </a:t>
             </a:r>
+            <a:endParaRPr lang="zh-CN" altLang="zh-CN" noProof="0" smtClean="0"/>
           </a:p>
           <a:p>
             <a:pPr lvl="4"/>
@@ -363,6 +366,7 @@
               <a:rPr lang="zh-CN" altLang="zh-CN" noProof="0" smtClean="0"/>
               <a:t>                </a:t>
             </a:r>
+            <a:endParaRPr lang="zh-CN" altLang="zh-CN" noProof="0" smtClean="0"/>
           </a:p>
         </p:txBody>
       </p:sp>
@@ -445,18 +449,12 @@
           <a:p>
             <a:fld id="{D9AFD278-84AA-4CAA-9049-809825956FE0}" type="slidenum">
               <a:rPr lang="en-US" altLang="zh-CN"/>
-              <a:t>‹#›</a:t>
             </a:fld>
             <a:endParaRPr lang="zh-CN" altLang="zh-CN"/>
           </a:p>
         </p:txBody>
       </p:sp>
     </p:spTree>
-    <p:extLst>
-      <p:ext uri="{BB962C8B-B14F-4D97-AF65-F5344CB8AC3E}">
-        <p14:creationId xmlns:p14="http://schemas.microsoft.com/office/powerpoint/2010/main" val="46043980"/>
-      </p:ext>
-    </p:extLst>
   </p:cSld>
   <p:clrMap bg1="lt1" tx1="dk1" bg2="lt2" tx2="dk2" accent1="accent1" accent2="accent2" accent3="accent3" accent4="accent4" accent5="accent5" accent6="accent6" hlink="hlink" folHlink="folHlink"/>
   <p:notesStyle>
@@ -920,85 +918,6 @@
 </p:notes>
 </file>
 
-<file path=ppt/notesSlides/notesSlide7.xml><?xml version="1.0" encoding="utf-8"?>
-<p:notes xmlns:a="http://schemas.openxmlformats.org/drawingml/2006/main" xmlns:r="http://schemas.openxmlformats.org/officeDocument/2006/relationships" xmlns:p="http://schemas.openxmlformats.org/presentationml/2006/main">
-  <p:cSld>
-    <p:spTree>
-      <p:nvGrpSpPr>
-        <p:cNvPr id="1" name=""/>
-        <p:cNvGrpSpPr/>
-        <p:nvPr/>
-      </p:nvGrpSpPr>
-      <p:grpSpPr>
-        <a:xfrm>
-          <a:off x="0" y="0"/>
-          <a:ext cx="0" cy="0"/>
-          <a:chOff x="0" y="0"/>
-          <a:chExt cx="0" cy="0"/>
-        </a:xfrm>
-      </p:grpSpPr>
-      <p:sp>
-        <p:nvSpPr>
-          <p:cNvPr id="2" name="幻灯片图像占位符 1"/>
-          <p:cNvSpPr>
-            <a:spLocks noGrp="1" noRot="1" noChangeAspect="1"/>
-          </p:cNvSpPr>
-          <p:nvPr>
-            <p:ph type="sldImg"/>
-          </p:nvPr>
-        </p:nvSpPr>
-        <p:spPr/>
-      </p:sp>
-      <p:sp>
-        <p:nvSpPr>
-          <p:cNvPr id="3" name="备注占位符 2"/>
-          <p:cNvSpPr>
-            <a:spLocks noGrp="1"/>
-          </p:cNvSpPr>
-          <p:nvPr>
-            <p:ph type="body" idx="1"/>
-          </p:nvPr>
-        </p:nvSpPr>
-        <p:spPr/>
-        <p:txBody>
-          <a:bodyPr/>
-          <a:lstStyle/>
-          <a:p>
-            <a:endParaRPr lang="zh-CN" altLang="en-US" dirty="0"/>
-          </a:p>
-        </p:txBody>
-      </p:sp>
-      <p:sp>
-        <p:nvSpPr>
-          <p:cNvPr id="4" name="灯片编号占位符 3"/>
-          <p:cNvSpPr>
-            <a:spLocks noGrp="1"/>
-          </p:cNvSpPr>
-          <p:nvPr>
-            <p:ph type="sldNum" sz="quarter" idx="10"/>
-          </p:nvPr>
-        </p:nvSpPr>
-        <p:spPr/>
-        <p:txBody>
-          <a:bodyPr/>
-          <a:lstStyle/>
-          <a:p>
-            <a:fld id="{D9AFD278-84AA-4CAA-9049-809825956FE0}" type="slidenum">
-              <a:rPr lang="en-US" altLang="zh-CN" smtClean="0"/>
-              <a:t>9</a:t>
-            </a:fld>
-            <a:endParaRPr lang="zh-CN" altLang="zh-CN"/>
-          </a:p>
-        </p:txBody>
-      </p:sp>
-    </p:spTree>
-  </p:cSld>
-  <p:clrMapOvr>
-    <a:masterClrMapping/>
-  </p:clrMapOvr>
-</p:notes>
-</file>
-
 <file path=ppt/slideLayouts/slideLayout1.xml><?xml version="1.0" encoding="utf-8"?>
 <p:sldLayout xmlns:a="http://schemas.openxmlformats.org/drawingml/2006/main" xmlns:r="http://schemas.openxmlformats.org/officeDocument/2006/relationships" xmlns:p="http://schemas.openxmlformats.org/presentationml/2006/main" preserve="1" userDrawn="1">
   <p:cSld name="标题和内容">
@@ -1069,6 +988,7 @@
               <a:rPr lang="zh-CN" altLang="en-US" dirty="0" smtClean="0"/>
               <a:t>单击此处编辑母版文本样式</a:t>
             </a:r>
+            <a:endParaRPr lang="zh-CN" altLang="en-US" dirty="0" smtClean="0"/>
           </a:p>
           <a:p>
             <a:pPr lvl="1"/>
@@ -1076,6 +996,7 @@
               <a:rPr lang="zh-CN" altLang="en-US" dirty="0" smtClean="0"/>
               <a:t>第二级</a:t>
             </a:r>
+            <a:endParaRPr lang="zh-CN" altLang="en-US" dirty="0" smtClean="0"/>
           </a:p>
           <a:p>
             <a:pPr lvl="2"/>
@@ -1083,6 +1004,7 @@
               <a:rPr lang="zh-CN" altLang="en-US" dirty="0" smtClean="0"/>
               <a:t>第三级</a:t>
             </a:r>
+            <a:endParaRPr lang="zh-CN" altLang="en-US" dirty="0" smtClean="0"/>
           </a:p>
           <a:p>
             <a:pPr lvl="3"/>
@@ -1090,6 +1012,7 @@
               <a:rPr lang="zh-CN" altLang="en-US" dirty="0" smtClean="0"/>
               <a:t>第四级</a:t>
             </a:r>
+            <a:endParaRPr lang="zh-CN" altLang="en-US" dirty="0" smtClean="0"/>
           </a:p>
         </p:txBody>
       </p:sp>
@@ -1151,6 +1074,7 @@
               <a:rPr lang="zh-CN" altLang="en-US" dirty="0" smtClean="0"/>
               <a:t>单击此处编辑母版文本样式</a:t>
             </a:r>
+            <a:endParaRPr lang="zh-CN" altLang="en-US" dirty="0" smtClean="0"/>
           </a:p>
         </p:txBody>
       </p:sp>
@@ -1207,7 +1131,6 @@
           <a:p>
             <a:fld id="{2030C94F-1E7C-47E3-9C60-176A530B03BF}" type="slidenum">
               <a:rPr lang="en-US" altLang="zh-CN"/>
-              <a:t>‹#›</a:t>
             </a:fld>
             <a:endParaRPr lang="zh-CN" altLang="zh-CN" sz="3200" b="0"/>
           </a:p>
@@ -1298,6 +1221,7 @@
               <a:rPr lang="zh-CN" altLang="en-US" dirty="0" smtClean="0"/>
               <a:t>单击此处编辑母版文本样式</a:t>
             </a:r>
+            <a:endParaRPr lang="zh-CN" altLang="en-US" dirty="0" smtClean="0"/>
           </a:p>
           <a:p>
             <a:pPr lvl="1"/>
@@ -1305,6 +1229,7 @@
               <a:rPr lang="zh-CN" altLang="en-US" dirty="0" smtClean="0"/>
               <a:t>第二级</a:t>
             </a:r>
+            <a:endParaRPr lang="zh-CN" altLang="en-US" dirty="0" smtClean="0"/>
           </a:p>
           <a:p>
             <a:pPr lvl="2"/>
@@ -1312,6 +1237,7 @@
               <a:rPr lang="zh-CN" altLang="en-US" dirty="0" smtClean="0"/>
               <a:t>第三级</a:t>
             </a:r>
+            <a:endParaRPr lang="zh-CN" altLang="en-US" dirty="0" smtClean="0"/>
           </a:p>
           <a:p>
             <a:pPr lvl="3"/>
@@ -1319,6 +1245,7 @@
               <a:rPr lang="zh-CN" altLang="en-US" dirty="0" smtClean="0"/>
               <a:t>第四级</a:t>
             </a:r>
+            <a:endParaRPr lang="zh-CN" altLang="en-US" dirty="0" smtClean="0"/>
           </a:p>
         </p:txBody>
       </p:sp>
@@ -1376,6 +1303,7 @@
               <a:rPr lang="zh-CN" altLang="en-US" dirty="0" smtClean="0"/>
               <a:t>单击此处编辑母版文本样式</a:t>
             </a:r>
+            <a:endParaRPr lang="zh-CN" altLang="en-US" dirty="0" smtClean="0"/>
           </a:p>
         </p:txBody>
       </p:sp>
@@ -1457,6 +1385,7 @@
               <a:rPr lang="zh-CN" altLang="en-US" dirty="0" smtClean="0"/>
               <a:t>单击此处编辑母版文本样式</a:t>
             </a:r>
+            <a:endParaRPr lang="zh-CN" altLang="en-US" dirty="0" smtClean="0"/>
           </a:p>
           <a:p>
             <a:pPr lvl="1"/>
@@ -1464,6 +1393,7 @@
               <a:rPr lang="zh-CN" altLang="en-US" dirty="0" smtClean="0"/>
               <a:t>第二级</a:t>
             </a:r>
+            <a:endParaRPr lang="zh-CN" altLang="en-US" dirty="0" smtClean="0"/>
           </a:p>
           <a:p>
             <a:pPr lvl="2"/>
@@ -1471,6 +1401,7 @@
               <a:rPr lang="zh-CN" altLang="en-US" dirty="0" smtClean="0"/>
               <a:t>第三级</a:t>
             </a:r>
+            <a:endParaRPr lang="zh-CN" altLang="en-US" dirty="0" smtClean="0"/>
           </a:p>
           <a:p>
             <a:pPr lvl="3"/>
@@ -1478,6 +1409,7 @@
               <a:rPr lang="zh-CN" altLang="en-US" dirty="0" smtClean="0"/>
               <a:t>第四级</a:t>
             </a:r>
+            <a:endParaRPr lang="zh-CN" altLang="en-US" dirty="0" smtClean="0"/>
           </a:p>
         </p:txBody>
       </p:sp>
@@ -1535,6 +1467,7 @@
               <a:rPr lang="zh-CN" altLang="en-US" dirty="0" smtClean="0"/>
               <a:t>单击此处编辑母版文本样式</a:t>
             </a:r>
+            <a:endParaRPr lang="zh-CN" altLang="en-US" dirty="0" smtClean="0"/>
           </a:p>
         </p:txBody>
       </p:sp>
@@ -1616,6 +1549,7 @@
               <a:rPr lang="zh-CN" altLang="en-US" dirty="0" smtClean="0"/>
               <a:t>单击此处编辑母版文本样式</a:t>
             </a:r>
+            <a:endParaRPr lang="zh-CN" altLang="en-US" dirty="0" smtClean="0"/>
           </a:p>
           <a:p>
             <a:pPr lvl="1"/>
@@ -1623,6 +1557,7 @@
               <a:rPr lang="zh-CN" altLang="en-US" dirty="0" smtClean="0"/>
               <a:t>第二级</a:t>
             </a:r>
+            <a:endParaRPr lang="zh-CN" altLang="en-US" dirty="0" smtClean="0"/>
           </a:p>
           <a:p>
             <a:pPr lvl="2"/>
@@ -1630,6 +1565,7 @@
               <a:rPr lang="zh-CN" altLang="en-US" dirty="0" smtClean="0"/>
               <a:t>第三级</a:t>
             </a:r>
+            <a:endParaRPr lang="zh-CN" altLang="en-US" dirty="0" smtClean="0"/>
           </a:p>
           <a:p>
             <a:pPr lvl="3"/>
@@ -1637,6 +1573,7 @@
               <a:rPr lang="zh-CN" altLang="en-US" dirty="0" smtClean="0"/>
               <a:t>第四级</a:t>
             </a:r>
+            <a:endParaRPr lang="zh-CN" altLang="en-US" dirty="0" smtClean="0"/>
           </a:p>
         </p:txBody>
       </p:sp>
@@ -1694,6 +1631,7 @@
               <a:rPr lang="zh-CN" altLang="en-US" dirty="0" smtClean="0"/>
               <a:t>单击此处编辑母版文本样式</a:t>
             </a:r>
+            <a:endParaRPr lang="zh-CN" altLang="en-US" dirty="0" smtClean="0"/>
           </a:p>
         </p:txBody>
       </p:sp>
@@ -1775,6 +1713,7 @@
               <a:rPr lang="zh-CN" altLang="en-US" dirty="0" smtClean="0"/>
               <a:t>单击此处编辑母版文本样式</a:t>
             </a:r>
+            <a:endParaRPr lang="zh-CN" altLang="en-US" dirty="0" smtClean="0"/>
           </a:p>
           <a:p>
             <a:pPr lvl="1"/>
@@ -1782,6 +1721,7 @@
               <a:rPr lang="zh-CN" altLang="en-US" dirty="0" smtClean="0"/>
               <a:t>第二级</a:t>
             </a:r>
+            <a:endParaRPr lang="zh-CN" altLang="en-US" dirty="0" smtClean="0"/>
           </a:p>
           <a:p>
             <a:pPr lvl="2"/>
@@ -1789,6 +1729,7 @@
               <a:rPr lang="zh-CN" altLang="en-US" dirty="0" smtClean="0"/>
               <a:t>第三级</a:t>
             </a:r>
+            <a:endParaRPr lang="zh-CN" altLang="en-US" dirty="0" smtClean="0"/>
           </a:p>
           <a:p>
             <a:pPr lvl="3"/>
@@ -1796,6 +1737,7 @@
               <a:rPr lang="zh-CN" altLang="en-US" dirty="0" smtClean="0"/>
               <a:t>第四级</a:t>
             </a:r>
+            <a:endParaRPr lang="zh-CN" altLang="en-US" dirty="0" smtClean="0"/>
           </a:p>
         </p:txBody>
       </p:sp>
@@ -1853,6 +1795,7 @@
               <a:rPr lang="zh-CN" altLang="en-US" dirty="0" smtClean="0"/>
               <a:t>单击此处编辑母版文本样式</a:t>
             </a:r>
+            <a:endParaRPr lang="zh-CN" altLang="en-US" dirty="0" smtClean="0"/>
           </a:p>
         </p:txBody>
       </p:sp>
@@ -1934,6 +1877,7 @@
               <a:rPr lang="zh-CN" altLang="en-US" dirty="0" smtClean="0"/>
               <a:t>单击此处编辑母版文本样式</a:t>
             </a:r>
+            <a:endParaRPr lang="zh-CN" altLang="en-US" dirty="0" smtClean="0"/>
           </a:p>
           <a:p>
             <a:pPr lvl="1"/>
@@ -1941,6 +1885,7 @@
               <a:rPr lang="zh-CN" altLang="en-US" dirty="0" smtClean="0"/>
               <a:t>第二级</a:t>
             </a:r>
+            <a:endParaRPr lang="zh-CN" altLang="en-US" dirty="0" smtClean="0"/>
           </a:p>
           <a:p>
             <a:pPr lvl="2"/>
@@ -1948,6 +1893,7 @@
               <a:rPr lang="zh-CN" altLang="en-US" dirty="0" smtClean="0"/>
               <a:t>第三级</a:t>
             </a:r>
+            <a:endParaRPr lang="zh-CN" altLang="en-US" dirty="0" smtClean="0"/>
           </a:p>
           <a:p>
             <a:pPr lvl="3"/>
@@ -1955,6 +1901,7 @@
               <a:rPr lang="zh-CN" altLang="en-US" dirty="0" smtClean="0"/>
               <a:t>第四级</a:t>
             </a:r>
+            <a:endParaRPr lang="zh-CN" altLang="en-US" dirty="0" smtClean="0"/>
           </a:p>
         </p:txBody>
       </p:sp>
@@ -2012,6 +1959,7 @@
               <a:rPr lang="zh-CN" altLang="en-US" dirty="0" smtClean="0"/>
               <a:t>单击此处编辑母版文本样式</a:t>
             </a:r>
+            <a:endParaRPr lang="zh-CN" altLang="en-US" dirty="0" smtClean="0"/>
           </a:p>
         </p:txBody>
       </p:sp>
@@ -2093,6 +2041,7 @@
               <a:rPr lang="zh-CN" altLang="en-US" dirty="0" smtClean="0"/>
               <a:t>单击此处编辑母版文本样式</a:t>
             </a:r>
+            <a:endParaRPr lang="zh-CN" altLang="en-US" dirty="0" smtClean="0"/>
           </a:p>
           <a:p>
             <a:pPr lvl="1"/>
@@ -2100,6 +2049,7 @@
               <a:rPr lang="zh-CN" altLang="en-US" dirty="0" smtClean="0"/>
               <a:t>第二级</a:t>
             </a:r>
+            <a:endParaRPr lang="zh-CN" altLang="en-US" dirty="0" smtClean="0"/>
           </a:p>
           <a:p>
             <a:pPr lvl="2"/>
@@ -2107,6 +2057,7 @@
               <a:rPr lang="zh-CN" altLang="en-US" dirty="0" smtClean="0"/>
               <a:t>第三级</a:t>
             </a:r>
+            <a:endParaRPr lang="zh-CN" altLang="en-US" dirty="0" smtClean="0"/>
           </a:p>
           <a:p>
             <a:pPr lvl="3"/>
@@ -2114,6 +2065,7 @@
               <a:rPr lang="zh-CN" altLang="en-US" dirty="0" smtClean="0"/>
               <a:t>第四级</a:t>
             </a:r>
+            <a:endParaRPr lang="zh-CN" altLang="en-US" dirty="0" smtClean="0"/>
           </a:p>
         </p:txBody>
       </p:sp>
@@ -2171,6 +2123,7 @@
               <a:rPr lang="zh-CN" altLang="en-US" dirty="0" smtClean="0"/>
               <a:t>单击此处编辑母版文本样式</a:t>
             </a:r>
+            <a:endParaRPr lang="zh-CN" altLang="en-US" dirty="0" smtClean="0"/>
           </a:p>
         </p:txBody>
       </p:sp>
@@ -2252,6 +2205,7 @@
               <a:rPr lang="zh-CN" altLang="en-US" dirty="0" smtClean="0"/>
               <a:t>单击此处编辑母版文本样式</a:t>
             </a:r>
+            <a:endParaRPr lang="zh-CN" altLang="en-US" dirty="0" smtClean="0"/>
           </a:p>
           <a:p>
             <a:pPr lvl="1"/>
@@ -2259,6 +2213,7 @@
               <a:rPr lang="zh-CN" altLang="en-US" dirty="0" smtClean="0"/>
               <a:t>第二级</a:t>
             </a:r>
+            <a:endParaRPr lang="zh-CN" altLang="en-US" dirty="0" smtClean="0"/>
           </a:p>
           <a:p>
             <a:pPr lvl="2"/>
@@ -2266,6 +2221,7 @@
               <a:rPr lang="zh-CN" altLang="en-US" dirty="0" smtClean="0"/>
               <a:t>第三级</a:t>
             </a:r>
+            <a:endParaRPr lang="zh-CN" altLang="en-US" dirty="0" smtClean="0"/>
           </a:p>
           <a:p>
             <a:pPr lvl="3"/>
@@ -2273,6 +2229,7 @@
               <a:rPr lang="zh-CN" altLang="en-US" dirty="0" smtClean="0"/>
               <a:t>第四级</a:t>
             </a:r>
+            <a:endParaRPr lang="zh-CN" altLang="en-US" dirty="0" smtClean="0"/>
           </a:p>
         </p:txBody>
       </p:sp>
@@ -2334,6 +2291,7 @@
               <a:rPr lang="zh-CN" altLang="en-US" dirty="0" smtClean="0"/>
               <a:t>单击此处编辑母版文本样式</a:t>
             </a:r>
+            <a:endParaRPr lang="zh-CN" altLang="en-US" dirty="0" smtClean="0"/>
           </a:p>
         </p:txBody>
       </p:sp>
@@ -2351,7 +2309,7 @@
     <p:bg bwMode="auto">
       <p:bgPr>
         <a:blipFill dpi="0" rotWithShape="0">
-          <a:blip r:embed="rId11"/>
+          <a:blip r:embed="rId10"/>
           <a:srcRect/>
           <a:stretch>
             <a:fillRect/>
@@ -2410,7 +2368,6 @@
           <a:p>
             <a:fld id="{43A45880-9E2A-43E4-955C-AEB11E14255E}" type="slidenum">
               <a:rPr lang="en-US" altLang="zh-CN"/>
-              <a:t>‹#›</a:t>
             </a:fld>
             <a:endParaRPr lang="zh-CN" altLang="zh-CN"/>
           </a:p>
@@ -2425,7 +2382,7 @@
           <p:nvPr/>
         </p:nvPicPr>
         <p:blipFill>
-          <a:blip r:embed="rId12">
+          <a:blip r:embed="rId11">
             <a:extLst>
               <a:ext uri="{28A0092B-C50C-407E-A947-70E740481C1C}">
                 <a14:useLocalDpi xmlns:a14="http://schemas.microsoft.com/office/drawing/2010/main" val="0"/>
@@ -2479,7 +2436,7 @@
           <p:nvPr/>
         </p:nvPicPr>
         <p:blipFill>
-          <a:blip r:embed="rId13">
+          <a:blip r:embed="rId12">
             <a:extLst>
               <a:ext uri="{28A0092B-C50C-407E-A947-70E740481C1C}">
                 <a14:useLocalDpi xmlns:a14="http://schemas.microsoft.com/office/drawing/2010/main" val="0"/>
@@ -2992,7 +2949,7 @@
           <p:nvPr/>
         </p:nvPicPr>
         <p:blipFill>
-          <a:blip r:embed="rId2">
+          <a:blip r:embed="rId1">
             <a:extLst>
               <a:ext uri="{28A0092B-C50C-407E-A947-70E740481C1C}">
                 <a14:useLocalDpi xmlns:a14="http://schemas.microsoft.com/office/drawing/2010/main" val="0"/>
@@ -3288,7 +3245,7 @@
           <p:nvPr/>
         </p:nvPicPr>
         <p:blipFill>
-          <a:blip r:embed="rId3">
+          <a:blip r:embed="rId2">
             <a:extLst>
               <a:ext uri="{28A0092B-C50C-407E-A947-70E740481C1C}">
                 <a14:useLocalDpi xmlns:a14="http://schemas.microsoft.com/office/drawing/2010/main" val="0"/>
@@ -3564,6 +3521,12 @@
               </a:rPr>
               <a:t>对象</a:t>
             </a:r>
+            <a:endParaRPr lang="zh-CN" altLang="en-US" sz="2800" b="1">
+              <a:solidFill>
+                <a:srgbClr val="FF0000"/>
+              </a:solidFill>
+              <a:sym typeface="+mn-ea"/>
+            </a:endParaRPr>
           </a:p>
           <a:p>
             <a:pPr algn="l">
@@ -3600,6 +3563,12 @@
               </a:rPr>
               <a:t>方法（静态方法、原型方法）</a:t>
             </a:r>
+            <a:endParaRPr lang="zh-CN" altLang="en-US" sz="2800" b="1">
+              <a:solidFill>
+                <a:schemeClr val="tx1"/>
+              </a:solidFill>
+              <a:sym typeface="+mn-ea"/>
+            </a:endParaRPr>
           </a:p>
           <a:p>
             <a:pPr algn="l">
@@ -3627,6 +3596,12 @@
               </a:rPr>
               <a:t>日期和时间格式</a:t>
             </a:r>
+            <a:endParaRPr lang="zh-CN" altLang="en-US" sz="2800" b="1">
+              <a:solidFill>
+                <a:schemeClr val="tx1"/>
+              </a:solidFill>
+              <a:sym typeface="+mn-ea"/>
+            </a:endParaRPr>
           </a:p>
         </p:txBody>
       </p:sp>
@@ -3923,6 +3898,12 @@
               </a:rPr>
               <a:t>提供了解析、管理和展示时间的功能</a:t>
             </a:r>
+            <a:endParaRPr lang="zh-CN" altLang="en-US" sz="3200" dirty="0">
+              <a:solidFill>
+                <a:schemeClr val="tx1"/>
+              </a:solidFill>
+              <a:sym typeface="+mn-ea"/>
+            </a:endParaRPr>
           </a:p>
           <a:p>
             <a:pPr>
@@ -3975,15 +3956,6 @@
               </a:rPr>
               <a:t>种形式</a:t>
             </a:r>
-            <a:r>
-              <a:rPr kumimoji="0" lang="en-US" altLang="zh-CN" sz="1800" dirty="0" smtClean="0">
-                <a:solidFill>
-                  <a:schemeClr val="tx1"/>
-                </a:solidFill>
-                <a:sym typeface="+mn-ea"/>
-              </a:rPr>
-              <a:t/>
-            </a:r>
             <a:br>
               <a:rPr kumimoji="0" lang="en-US" altLang="zh-CN" sz="1800" dirty="0" smtClean="0">
                 <a:solidFill>
@@ -4028,15 +4000,6 @@
               </a:rPr>
               <a:t> </a:t>
             </a:r>
-            <a:r>
-              <a:rPr lang="zh-CN" altLang="en-US" sz="2000" dirty="0">
-                <a:solidFill>
-                  <a:schemeClr val="tx1"/>
-                </a:solidFill>
-                <a:sym typeface="+mn-ea"/>
-              </a:rPr>
-              <a:t/>
-            </a:r>
             <a:br>
               <a:rPr lang="zh-CN" altLang="en-US" sz="2000" dirty="0">
                 <a:solidFill>
@@ -4081,15 +4044,6 @@
               </a:rPr>
               <a:t>注意格式，参见日期格式章节</a:t>
             </a:r>
-            <a:r>
-              <a:rPr lang="en-US" altLang="zh-CN" sz="2000" dirty="0">
-                <a:solidFill>
-                  <a:schemeClr val="tx1"/>
-                </a:solidFill>
-                <a:sym typeface="+mn-ea"/>
-              </a:rPr>
-              <a:t/>
-            </a:r>
             <a:br>
               <a:rPr lang="en-US" altLang="zh-CN" sz="2000" dirty="0">
                 <a:solidFill>
@@ -4125,15 +4079,6 @@
               </a:rPr>
               <a:t>以毫秒为单位</a:t>
             </a:r>
-            <a:r>
-              <a:rPr lang="en-US" altLang="zh-CN" sz="2000" dirty="0">
-                <a:solidFill>
-                  <a:schemeClr val="tx1"/>
-                </a:solidFill>
-                <a:sym typeface="+mn-ea"/>
-              </a:rPr>
-              <a:t/>
-            </a:r>
             <a:br>
               <a:rPr lang="en-US" altLang="zh-CN" sz="2000" dirty="0">
                 <a:solidFill>
@@ -4158,26 +4103,18 @@
                 </a:solidFill>
                 <a:sym typeface="+mn-ea"/>
               </a:rPr>
-              <a:t>返回当前世界，相当于new Date(Date.now())</a:t>
-            </a:r>
-            <a:r>
-              <a:rPr lang="en-US" altLang="zh-CN" sz="1800" dirty="0">
-                <a:solidFill>
-                  <a:schemeClr val="tx1"/>
-                </a:solidFill>
-                <a:sym typeface="+mn-ea"/>
-              </a:rPr>
-              <a:t/>
-            </a:r>
-            <a:br>
-              <a:rPr lang="en-US" altLang="zh-CN" sz="1800" dirty="0">
-                <a:solidFill>
-                  <a:schemeClr val="tx1"/>
-                </a:solidFill>
-                <a:sym typeface="+mn-ea"/>
-              </a:rPr>
-            </a:br>
-            <a:endParaRPr lang="zh-CN" altLang="en-US" sz="1800" dirty="0">
+              <a:t>返回当前</a:t>
+            </a:r>
+            <a:r>
+              <a:rPr lang="zh-CN" sz="2000" dirty="0">
+                <a:solidFill>
+                  <a:schemeClr val="tx1"/>
+                </a:solidFill>
+                <a:sym typeface="+mn-ea"/>
+              </a:rPr>
+              <a:t>时间</a:t>
+            </a:r>
+            <a:endParaRPr lang="zh-CN" sz="1800" dirty="0">
               <a:solidFill>
                 <a:schemeClr val="accent3"/>
               </a:solidFill>
@@ -4227,6 +4164,7 @@
               <a:rPr lang="zh-CN" altLang="en-US" dirty="0"/>
               <a:t>对象及日期的格式</a:t>
             </a:r>
+            <a:endParaRPr lang="zh-CN" altLang="en-US" dirty="0"/>
           </a:p>
         </p:txBody>
       </p:sp>
@@ -4283,6 +4221,13 @@
               </a:rPr>
               <a:t>创建日期实例几种方式</a:t>
             </a:r>
+            <a:endParaRPr lang="zh-CN" altLang="en-US" sz="2200">
+              <a:solidFill>
+                <a:srgbClr val="FF0000"/>
+              </a:solidFill>
+              <a:latin typeface="+mn-ea"/>
+              <a:ea typeface="+mn-ea"/>
+            </a:endParaRPr>
           </a:p>
         </p:txBody>
       </p:sp>
@@ -4295,7 +4240,7 @@
           <p:nvPr/>
         </p:nvPicPr>
         <p:blipFill>
-          <a:blip r:embed="rId3"/>
+          <a:blip r:embed="rId1"/>
           <a:stretch>
             <a:fillRect/>
           </a:stretch>
@@ -4945,6 +4890,12 @@
               </a:rPr>
               <a:t>对象</a:t>
             </a:r>
+            <a:endParaRPr lang="zh-CN" altLang="en-US" sz="2800" b="1">
+              <a:solidFill>
+                <a:schemeClr val="tx1"/>
+              </a:solidFill>
+              <a:sym typeface="+mn-ea"/>
+            </a:endParaRPr>
           </a:p>
           <a:p>
             <a:pPr algn="l">
@@ -4981,6 +4932,12 @@
               </a:rPr>
               <a:t>方法（静态方法、原型方法）</a:t>
             </a:r>
+            <a:endParaRPr lang="zh-CN" altLang="en-US" sz="2800" b="1">
+              <a:solidFill>
+                <a:srgbClr val="FF0000"/>
+              </a:solidFill>
+              <a:sym typeface="+mn-ea"/>
+            </a:endParaRPr>
           </a:p>
           <a:p>
             <a:pPr algn="l">
@@ -5008,6 +4965,12 @@
               </a:rPr>
               <a:t>日期和时间格式</a:t>
             </a:r>
+            <a:endParaRPr lang="zh-CN" altLang="en-US" sz="2800" b="1">
+              <a:solidFill>
+                <a:schemeClr val="tx1"/>
+              </a:solidFill>
+              <a:sym typeface="+mn-ea"/>
+            </a:endParaRPr>
           </a:p>
         </p:txBody>
       </p:sp>
@@ -5410,15 +5373,6 @@
               </a:rPr>
               <a:t>开始计算</a:t>
             </a:r>
-            <a:r>
-              <a:rPr lang="en-US" altLang="zh-CN" sz="1800" dirty="0">
-                <a:solidFill>
-                  <a:schemeClr val="tx1"/>
-                </a:solidFill>
-                <a:sym typeface="+mn-ea"/>
-              </a:rPr>
-              <a:t/>
-            </a:r>
             <a:br>
               <a:rPr lang="en-US" altLang="zh-CN" sz="1800" dirty="0">
                 <a:solidFill>
@@ -5445,6 +5399,12 @@
               </a:rPr>
               <a:t>转成毫秒 标准时间</a:t>
             </a:r>
+            <a:endParaRPr lang="zh-CN" altLang="en-US" sz="1800" dirty="0">
+              <a:solidFill>
+                <a:schemeClr val="tx1"/>
+              </a:solidFill>
+              <a:sym typeface="+mn-ea"/>
+            </a:endParaRPr>
           </a:p>
           <a:p>
             <a:pPr>
@@ -5554,15 +5514,6 @@
                 <a:sym typeface="+mn-ea"/>
               </a:rPr>
             </a:br>
-            <a:r>
-              <a:rPr lang="en-US" altLang="zh-CN" sz="1700" dirty="0">
-                <a:solidFill>
-                  <a:schemeClr val="tx1"/>
-                </a:solidFill>
-                <a:sym typeface="+mn-ea"/>
-              </a:rPr>
-              <a:t/>
-            </a:r>
             <a:br>
               <a:rPr lang="en-US" altLang="zh-CN" sz="1700" dirty="0">
                 <a:solidFill>
@@ -5571,15 +5522,6 @@
                 <a:sym typeface="+mn-ea"/>
               </a:rPr>
             </a:br>
-            <a:r>
-              <a:rPr lang="en-US" altLang="zh-CN" sz="1700" dirty="0">
-                <a:solidFill>
-                  <a:schemeClr val="tx1"/>
-                </a:solidFill>
-                <a:sym typeface="+mn-ea"/>
-              </a:rPr>
-              <a:t/>
-            </a:r>
             <a:br>
               <a:rPr lang="en-US" altLang="zh-CN" sz="1700" dirty="0">
                 <a:solidFill>
@@ -5588,15 +5530,6 @@
                 <a:sym typeface="+mn-ea"/>
               </a:rPr>
             </a:br>
-            <a:r>
-              <a:rPr lang="en-US" altLang="zh-CN" sz="1700" dirty="0">
-                <a:solidFill>
-                  <a:schemeClr val="tx1"/>
-                </a:solidFill>
-                <a:sym typeface="+mn-ea"/>
-              </a:rPr>
-              <a:t/>
-            </a:r>
             <a:br>
               <a:rPr lang="en-US" altLang="zh-CN" sz="1700" dirty="0">
                 <a:solidFill>
@@ -5605,15 +5538,6 @@
                 <a:sym typeface="+mn-ea"/>
               </a:rPr>
             </a:br>
-            <a:r>
-              <a:rPr lang="en-US" altLang="zh-CN" sz="1700" dirty="0">
-                <a:solidFill>
-                  <a:schemeClr val="tx1"/>
-                </a:solidFill>
-                <a:sym typeface="+mn-ea"/>
-              </a:rPr>
-              <a:t/>
-            </a:r>
             <a:br>
               <a:rPr lang="en-US" altLang="zh-CN" sz="1700" dirty="0">
                 <a:solidFill>
@@ -5622,15 +5546,6 @@
                 <a:sym typeface="+mn-ea"/>
               </a:rPr>
             </a:br>
-            <a:r>
-              <a:rPr lang="en-US" altLang="zh-CN" sz="1000" dirty="0">
-                <a:solidFill>
-                  <a:schemeClr val="tx1"/>
-                </a:solidFill>
-                <a:sym typeface="+mn-ea"/>
-              </a:rPr>
-              <a:t/>
-            </a:r>
             <a:br>
               <a:rPr lang="en-US" altLang="zh-CN" sz="1000" dirty="0">
                 <a:solidFill>
@@ -6310,6 +6225,12 @@
               </a:rPr>
               <a:t>对象</a:t>
             </a:r>
+            <a:endParaRPr lang="zh-CN" altLang="en-US" sz="2800" b="1">
+              <a:solidFill>
+                <a:schemeClr val="tx1"/>
+              </a:solidFill>
+              <a:sym typeface="+mn-ea"/>
+            </a:endParaRPr>
           </a:p>
           <a:p>
             <a:pPr algn="l">
@@ -6346,6 +6267,12 @@
               </a:rPr>
               <a:t>方法（静态方法、原型方法）</a:t>
             </a:r>
+            <a:endParaRPr lang="zh-CN" altLang="en-US" sz="2800" b="1">
+              <a:solidFill>
+                <a:schemeClr val="tx1"/>
+              </a:solidFill>
+              <a:sym typeface="+mn-ea"/>
+            </a:endParaRPr>
           </a:p>
           <a:p>
             <a:pPr algn="l">
@@ -6373,6 +6300,12 @@
               </a:rPr>
               <a:t>日期和时间格式</a:t>
             </a:r>
+            <a:endParaRPr lang="zh-CN" altLang="en-US" sz="2800" b="1">
+              <a:solidFill>
+                <a:srgbClr val="FF0000"/>
+              </a:solidFill>
+              <a:sym typeface="+mn-ea"/>
+            </a:endParaRPr>
           </a:p>
         </p:txBody>
       </p:sp>
@@ -6687,6 +6620,12 @@
               </a:rPr>
               <a:t>扩展格式标准</a:t>
             </a:r>
+            <a:endParaRPr lang="zh-CN" altLang="en-US" sz="3200" dirty="0">
+              <a:solidFill>
+                <a:schemeClr val="tx1"/>
+              </a:solidFill>
+              <a:sym typeface="+mn-ea"/>
+            </a:endParaRPr>
           </a:p>
           <a:p>
             <a:pPr>
@@ -6701,7 +6640,7 @@
                 </a:solidFill>
                 <a:sym typeface="+mn-ea"/>
               </a:rPr>
-              <a:t>日期格式（无时间）</a:t>
+              <a:t>日期格式</a:t>
             </a:r>
             <a:br>
               <a:rPr lang="zh-CN" altLang="en-US" sz="3200" dirty="0">
@@ -6756,6 +6695,12 @@
               </a:rPr>
               <a:t>YY</a:t>
             </a:r>
+            <a:endParaRPr lang="en-US" altLang="zh-CN" sz="1800" dirty="0">
+              <a:solidFill>
+                <a:schemeClr val="tx1"/>
+              </a:solidFill>
+              <a:sym typeface="+mn-ea"/>
+            </a:endParaRPr>
           </a:p>
           <a:p>
             <a:pPr>
@@ -6770,7 +6715,7 @@
                 </a:solidFill>
                 <a:sym typeface="+mn-ea"/>
               </a:rPr>
-              <a:t>时间格式（无日期）注意：考虑宿主环境差异</a:t>
+              <a:t>时间格式，注意：不同宿主环境下可能存在差异</a:t>
             </a:r>
             <a:br>
               <a:rPr lang="zh-CN" altLang="en-US" sz="3200" dirty="0">
@@ -6918,6 +6863,12 @@
               </a:rPr>
               <a:t>YYYY-MM-DDTHH:mm:ss.sssZ</a:t>
             </a:r>
+            <a:endParaRPr lang="zh-CN" altLang="en-US" sz="1800" dirty="0">
+              <a:solidFill>
+                <a:schemeClr val="tx1"/>
+              </a:solidFill>
+              <a:sym typeface="+mn-ea"/>
+            </a:endParaRPr>
           </a:p>
           <a:p>
             <a:pPr>
@@ -6934,15 +6885,6 @@
               </a:rPr>
               <a:t>时间比较与运算（转换为毫秒后进行比较和运算）</a:t>
             </a:r>
-            <a:r>
-              <a:rPr lang="en-US" altLang="zh-CN" sz="1800" dirty="0">
-                <a:solidFill>
-                  <a:schemeClr val="tx1"/>
-                </a:solidFill>
-                <a:sym typeface="+mn-ea"/>
-              </a:rPr>
-              <a:t/>
-            </a:r>
             <a:br>
               <a:rPr lang="en-US" altLang="zh-CN" sz="1800" dirty="0">
                 <a:solidFill>
@@ -6951,15 +6893,6 @@
                 <a:sym typeface="+mn-ea"/>
               </a:rPr>
             </a:br>
-            <a:r>
-              <a:rPr lang="en-US" altLang="zh-CN" sz="1700" dirty="0">
-                <a:solidFill>
-                  <a:schemeClr val="tx1"/>
-                </a:solidFill>
-                <a:sym typeface="+mn-ea"/>
-              </a:rPr>
-              <a:t/>
-            </a:r>
             <a:br>
               <a:rPr lang="en-US" altLang="zh-CN" sz="1700" dirty="0">
                 <a:solidFill>
@@ -6968,15 +6901,6 @@
                 <a:sym typeface="+mn-ea"/>
               </a:rPr>
             </a:br>
-            <a:r>
-              <a:rPr lang="en-US" altLang="zh-CN" sz="1700" dirty="0">
-                <a:solidFill>
-                  <a:schemeClr val="tx1"/>
-                </a:solidFill>
-                <a:sym typeface="+mn-ea"/>
-              </a:rPr>
-              <a:t/>
-            </a:r>
             <a:br>
               <a:rPr lang="en-US" altLang="zh-CN" sz="1700" dirty="0">
                 <a:solidFill>
@@ -6985,15 +6909,6 @@
                 <a:sym typeface="+mn-ea"/>
               </a:rPr>
             </a:br>
-            <a:r>
-              <a:rPr lang="en-US" altLang="zh-CN" sz="1700" dirty="0">
-                <a:solidFill>
-                  <a:schemeClr val="tx1"/>
-                </a:solidFill>
-                <a:sym typeface="+mn-ea"/>
-              </a:rPr>
-              <a:t/>
-            </a:r>
             <a:br>
               <a:rPr lang="en-US" altLang="zh-CN" sz="1700" dirty="0">
                 <a:solidFill>
@@ -7002,15 +6917,6 @@
                 <a:sym typeface="+mn-ea"/>
               </a:rPr>
             </a:br>
-            <a:r>
-              <a:rPr lang="en-US" altLang="zh-CN" sz="1700" dirty="0">
-                <a:solidFill>
-                  <a:schemeClr val="tx1"/>
-                </a:solidFill>
-                <a:sym typeface="+mn-ea"/>
-              </a:rPr>
-              <a:t/>
-            </a:r>
             <a:br>
               <a:rPr lang="en-US" altLang="zh-CN" sz="1700" dirty="0">
                 <a:solidFill>
@@ -7019,15 +6925,6 @@
                 <a:sym typeface="+mn-ea"/>
               </a:rPr>
             </a:br>
-            <a:r>
-              <a:rPr lang="en-US" altLang="zh-CN" sz="1000" dirty="0">
-                <a:solidFill>
-                  <a:schemeClr val="tx1"/>
-                </a:solidFill>
-                <a:sym typeface="+mn-ea"/>
-              </a:rPr>
-              <a:t/>
-            </a:r>
             <a:br>
               <a:rPr lang="en-US" altLang="zh-CN" sz="1000" dirty="0">
                 <a:solidFill>
@@ -7078,6 +6975,7 @@
               <a:rPr lang="zh-CN" altLang="en-US" dirty="0"/>
               <a:t>日期和时间格式</a:t>
             </a:r>
+            <a:endParaRPr lang="zh-CN" altLang="en-US" dirty="0"/>
           </a:p>
         </p:txBody>
       </p:sp>
@@ -7979,7 +7877,7 @@
           <p:nvPr/>
         </p:nvPicPr>
         <p:blipFill>
-          <a:blip r:embed="rId2">
+          <a:blip r:embed="rId1">
             <a:extLst>
               <a:ext uri="{28A0092B-C50C-407E-A947-70E740481C1C}">
                 <a14:useLocalDpi xmlns:a14="http://schemas.microsoft.com/office/drawing/2010/main" val="0"/>
@@ -8097,7 +7995,7 @@
           <p:nvPr/>
         </p:nvPicPr>
         <p:blipFill>
-          <a:blip r:embed="rId3">
+          <a:blip r:embed="rId2">
             <a:extLst>
               <a:ext uri="{28A0092B-C50C-407E-A947-70E740481C1C}">
                 <a14:useLocalDpi xmlns:a14="http://schemas.microsoft.com/office/drawing/2010/main" val="0"/>
@@ -8142,193 +8040,6 @@
           </a:extLst>
         </p:spPr>
       </p:pic>
-    </p:spTree>
-  </p:cSld>
-  <p:clrMapOvr>
-    <a:masterClrMapping/>
-  </p:clrMapOvr>
-  <p:timing>
-    <p:tnLst>
-      <p:par>
-        <p:cTn id="1" dur="indefinite" restart="never" nodeType="tmRoot"/>
-      </p:par>
-    </p:tnLst>
-  </p:timing>
-</p:sld>
-</file>
-
-<file path=ppt/slides/slide9.xml><?xml version="1.0" encoding="utf-8"?>
-<p:sld xmlns:a="http://schemas.openxmlformats.org/drawingml/2006/main" xmlns:r="http://schemas.openxmlformats.org/officeDocument/2006/relationships" xmlns:p="http://schemas.openxmlformats.org/presentationml/2006/main">
-  <p:cSld>
-    <p:spTree>
-      <p:nvGrpSpPr>
-        <p:cNvPr id="1" name=""/>
-        <p:cNvGrpSpPr/>
-        <p:nvPr/>
-      </p:nvGrpSpPr>
-      <p:grpSpPr>
-        <a:xfrm>
-          <a:off x="0" y="0"/>
-          <a:ext cx="0" cy="0"/>
-          <a:chOff x="0" y="0"/>
-          <a:chExt cx="0" cy="0"/>
-        </a:xfrm>
-      </p:grpSpPr>
-      <p:sp>
-        <p:nvSpPr>
-          <p:cNvPr id="11266" name="内容占位符 1"/>
-          <p:cNvSpPr>
-            <a:spLocks noGrp="1"/>
-          </p:cNvSpPr>
-          <p:nvPr>
-            <p:ph sz="quarter" idx="10"/>
-          </p:nvPr>
-        </p:nvSpPr>
-        <p:spPr bwMode="auto">
-          <a:xfrm>
-            <a:off x="947420" y="940435"/>
-            <a:ext cx="10493375" cy="5115560"/>
-          </a:xfrm>
-          <a:noFill/>
-          <a:extLst>
-            <a:ext uri="{909E8E84-426E-40DD-AFC4-6F175D3DCCD1}">
-              <a14:hiddenFill xmlns:a14="http://schemas.microsoft.com/office/drawing/2010/main">
-                <a:solidFill>
-                  <a:srgbClr val="FFFFFF"/>
-                </a:solidFill>
-              </a14:hiddenFill>
-            </a:ext>
-            <a:ext uri="{91240B29-F687-4F45-9708-019B960494DF}">
-              <a14:hiddenLine xmlns:a14="http://schemas.microsoft.com/office/drawing/2010/main" w="9525">
-                <a:solidFill>
-                  <a:srgbClr val="000000"/>
-                </a:solidFill>
-                <a:miter lim="800000"/>
-                <a:headEnd/>
-                <a:tailEnd/>
-              </a14:hiddenLine>
-            </a:ext>
-          </a:extLst>
-        </p:spPr>
-        <p:txBody>
-          <a:bodyPr vert="horz" wrap="square" lIns="91440" tIns="45720" rIns="91440" bIns="45720" numCol="1" anchor="t" anchorCtr="0" compatLnSpc="1"/>
-          <a:lstStyle/>
-          <a:p>
-            <a:pPr>
-              <a:lnSpc>
-                <a:spcPct val="130000"/>
-              </a:lnSpc>
-            </a:pPr>
-            <a:r>
-              <a:rPr kumimoji="0" lang="zh-CN" altLang="en-US" sz="3200" dirty="0" smtClean="0">
-                <a:solidFill>
-                  <a:schemeClr val="tx1"/>
-                </a:solidFill>
-                <a:sym typeface="+mn-ea"/>
-              </a:rPr>
-              <a:t>完成</a:t>
-            </a:r>
-            <a:r>
-              <a:rPr kumimoji="0" lang="en-US" altLang="zh-CN" sz="3200" dirty="0" smtClean="0">
-                <a:solidFill>
-                  <a:schemeClr val="tx1"/>
-                </a:solidFill>
-                <a:sym typeface="+mn-ea"/>
-              </a:rPr>
-              <a:t>freecodecamp</a:t>
-            </a:r>
-            <a:r>
-              <a:rPr kumimoji="0" lang="zh-CN" altLang="en-US" sz="3200" dirty="0" smtClean="0">
-                <a:solidFill>
-                  <a:schemeClr val="tx1"/>
-                </a:solidFill>
-                <a:sym typeface="+mn-ea"/>
-              </a:rPr>
-              <a:t>任务</a:t>
-            </a:r>
-          </a:p>
-          <a:p>
-            <a:pPr>
-              <a:lnSpc>
-                <a:spcPct val="130000"/>
-              </a:lnSpc>
-            </a:pPr>
-            <a:r>
-              <a:rPr kumimoji="0" lang="en-US" altLang="zh-CN" sz="3200" dirty="0" smtClean="0">
-                <a:solidFill>
-                  <a:schemeClr val="tx1"/>
-                </a:solidFill>
-                <a:sym typeface="+mn-ea"/>
-              </a:rPr>
-              <a:t>https://developer.mozilla.org/zh-CN/docs/Web/JavaScript/Reference/Global_Objects/Array</a:t>
-            </a:r>
-          </a:p>
-          <a:p>
-            <a:pPr>
-              <a:lnSpc>
-                <a:spcPct val="130000"/>
-              </a:lnSpc>
-            </a:pPr>
-            <a:endParaRPr kumimoji="0" lang="zh-CN" altLang="en-US" sz="3200" dirty="0" smtClean="0">
-              <a:solidFill>
-                <a:schemeClr val="tx1"/>
-              </a:solidFill>
-              <a:sym typeface="+mn-ea"/>
-            </a:endParaRPr>
-          </a:p>
-          <a:p>
-            <a:pPr eaLnBrk="1" hangingPunct="1">
-              <a:lnSpc>
-                <a:spcPct val="150000"/>
-              </a:lnSpc>
-            </a:pPr>
-            <a:endParaRPr kumimoji="0" lang="en-US" altLang="zh-CN" sz="3600" dirty="0" smtClean="0">
-              <a:solidFill>
-                <a:schemeClr val="tx1"/>
-              </a:solidFill>
-            </a:endParaRPr>
-          </a:p>
-          <a:p>
-            <a:pPr eaLnBrk="1" hangingPunct="1">
-              <a:lnSpc>
-                <a:spcPct val="150000"/>
-              </a:lnSpc>
-            </a:pPr>
-            <a:endParaRPr kumimoji="0" lang="zh-CN" altLang="en-US" dirty="0" smtClean="0">
-              <a:solidFill>
-                <a:schemeClr val="tx1"/>
-              </a:solidFill>
-            </a:endParaRPr>
-          </a:p>
-        </p:txBody>
-      </p:sp>
-      <p:sp>
-        <p:nvSpPr>
-          <p:cNvPr id="2" name="内容占位符 1"/>
-          <p:cNvSpPr>
-            <a:spLocks noGrp="1"/>
-          </p:cNvSpPr>
-          <p:nvPr>
-            <p:ph sz="quarter" idx="11"/>
-          </p:nvPr>
-        </p:nvSpPr>
-        <p:spPr>
-          <a:xfrm>
-            <a:off x="947420" y="308610"/>
-            <a:ext cx="8415655" cy="490220"/>
-          </a:xfrm>
-        </p:spPr>
-        <p:txBody>
-          <a:bodyPr/>
-          <a:lstStyle/>
-          <a:p>
-            <a:r>
-              <a:rPr kumimoji="0" lang="zh-CN" dirty="0"/>
-              <a:t>作业</a:t>
-            </a:r>
-          </a:p>
-        </p:txBody>
-      </p:sp>
     </p:spTree>
   </p:cSld>
   <p:clrMapOvr>
@@ -8678,10 +8389,9 @@
       </a:lstStyle>
     </a:lnDef>
   </a:objectDefaults>
-  <a:extraClrSchemeLst/>
   <a:extLst>
     <a:ext uri="{05A4C25C-085E-4340-85A3-A5531E510DB2}">
-      <thm15:themeFamily xmlns="" xmlns:thm15="http://schemas.microsoft.com/office/thememl/2012/main" name="Office Theme" id="{62F939B6-93AF-4DB8-9C6B-D6C7DFDC589F}" vid="{4A3C46E8-61CC-4603-A589-7422A47A8E4A}"/>
+      <thm15:themeFamily xmlns:thm15="http://schemas.microsoft.com/office/thememl/2012/main" name="Office Theme" id="{62F939B6-93AF-4DB8-9C6B-D6C7DFDC589F}" vid="{4A3C46E8-61CC-4603-A589-7422A47A8E4A}"/>
     </a:ext>
   </a:extLst>
 </a:theme>
@@ -8965,11 +8675,9 @@
       </a:bgFillStyleLst>
     </a:fmtScheme>
   </a:themeElements>
-  <a:objectDefaults/>
-  <a:extraClrSchemeLst/>
   <a:extLst>
     <a:ext uri="{05A4C25C-085E-4340-85A3-A5531E510DB2}">
-      <thm15:themeFamily xmlns="" xmlns:thm15="http://schemas.microsoft.com/office/thememl/2012/main" name="Office Theme" id="{62F939B6-93AF-4DB8-9C6B-D6C7DFDC589F}" vid="{4A3C46E8-61CC-4603-A589-7422A47A8E4A}"/>
+      <thm15:themeFamily xmlns:thm15="http://schemas.microsoft.com/office/thememl/2012/main" name="Office Theme" id="{62F939B6-93AF-4DB8-9C6B-D6C7DFDC589F}" vid="{4A3C46E8-61CC-4603-A589-7422A47A8E4A}"/>
     </a:ext>
   </a:extLst>
 </a:theme>
